--- a/dene2/Docs/TechTree.pptx
+++ b/dene2/Docs/TechTree.pptx
@@ -107,7 +107,7 @@
   </p:defaultTextStyle>
   <p:extLst>
     <p:ext uri="{EFAFB233-063F-42B5-8137-9DF3F51BA10A}">
-      <p15:sldGuideLst xmlns="" xmlns:p15="http://schemas.microsoft.com/office/powerpoint/2012/main">
+      <p15:sldGuideLst xmlns:p15="http://schemas.microsoft.com/office/powerpoint/2012/main" xmlns="">
         <p15:guide id="1" orient="horz" pos="2160">
           <p15:clr>
             <a:srgbClr val="A4A3A4"/>
@@ -305,7 +305,7 @@
           <a:p>
             <a:fld id="{B70346D9-89FE-4A8C-817B-005928C55000}" type="datetimeFigureOut">
               <a:rPr lang="de-DE" smtClean="0"/>
-              <a:t>14.07.2022</a:t>
+              <a:t>24.08.2022</a:t>
             </a:fld>
             <a:endParaRPr lang="de-DE"/>
           </a:p>
@@ -475,7 +475,7 @@
           <a:p>
             <a:fld id="{B70346D9-89FE-4A8C-817B-005928C55000}" type="datetimeFigureOut">
               <a:rPr lang="de-DE" smtClean="0"/>
-              <a:t>14.07.2022</a:t>
+              <a:t>24.08.2022</a:t>
             </a:fld>
             <a:endParaRPr lang="de-DE"/>
           </a:p>
@@ -655,7 +655,7 @@
           <a:p>
             <a:fld id="{B70346D9-89FE-4A8C-817B-005928C55000}" type="datetimeFigureOut">
               <a:rPr lang="de-DE" smtClean="0"/>
-              <a:t>14.07.2022</a:t>
+              <a:t>24.08.2022</a:t>
             </a:fld>
             <a:endParaRPr lang="de-DE"/>
           </a:p>
@@ -825,7 +825,7 @@
           <a:p>
             <a:fld id="{B70346D9-89FE-4A8C-817B-005928C55000}" type="datetimeFigureOut">
               <a:rPr lang="de-DE" smtClean="0"/>
-              <a:t>14.07.2022</a:t>
+              <a:t>24.08.2022</a:t>
             </a:fld>
             <a:endParaRPr lang="de-DE"/>
           </a:p>
@@ -1071,7 +1071,7 @@
           <a:p>
             <a:fld id="{B70346D9-89FE-4A8C-817B-005928C55000}" type="datetimeFigureOut">
               <a:rPr lang="de-DE" smtClean="0"/>
-              <a:t>14.07.2022</a:t>
+              <a:t>24.08.2022</a:t>
             </a:fld>
             <a:endParaRPr lang="de-DE"/>
           </a:p>
@@ -1359,7 +1359,7 @@
           <a:p>
             <a:fld id="{B70346D9-89FE-4A8C-817B-005928C55000}" type="datetimeFigureOut">
               <a:rPr lang="de-DE" smtClean="0"/>
-              <a:t>14.07.2022</a:t>
+              <a:t>24.08.2022</a:t>
             </a:fld>
             <a:endParaRPr lang="de-DE"/>
           </a:p>
@@ -1781,7 +1781,7 @@
           <a:p>
             <a:fld id="{B70346D9-89FE-4A8C-817B-005928C55000}" type="datetimeFigureOut">
               <a:rPr lang="de-DE" smtClean="0"/>
-              <a:t>14.07.2022</a:t>
+              <a:t>24.08.2022</a:t>
             </a:fld>
             <a:endParaRPr lang="de-DE"/>
           </a:p>
@@ -1899,7 +1899,7 @@
           <a:p>
             <a:fld id="{B70346D9-89FE-4A8C-817B-005928C55000}" type="datetimeFigureOut">
               <a:rPr lang="de-DE" smtClean="0"/>
-              <a:t>14.07.2022</a:t>
+              <a:t>24.08.2022</a:t>
             </a:fld>
             <a:endParaRPr lang="de-DE"/>
           </a:p>
@@ -1994,7 +1994,7 @@
           <a:p>
             <a:fld id="{B70346D9-89FE-4A8C-817B-005928C55000}" type="datetimeFigureOut">
               <a:rPr lang="de-DE" smtClean="0"/>
-              <a:t>14.07.2022</a:t>
+              <a:t>24.08.2022</a:t>
             </a:fld>
             <a:endParaRPr lang="de-DE"/>
           </a:p>
@@ -2271,7 +2271,7 @@
           <a:p>
             <a:fld id="{B70346D9-89FE-4A8C-817B-005928C55000}" type="datetimeFigureOut">
               <a:rPr lang="de-DE" smtClean="0"/>
-              <a:t>14.07.2022</a:t>
+              <a:t>24.08.2022</a:t>
             </a:fld>
             <a:endParaRPr lang="de-DE"/>
           </a:p>
@@ -2524,7 +2524,7 @@
           <a:p>
             <a:fld id="{B70346D9-89FE-4A8C-817B-005928C55000}" type="datetimeFigureOut">
               <a:rPr lang="de-DE" smtClean="0"/>
-              <a:t>14.07.2022</a:t>
+              <a:t>24.08.2022</a:t>
             </a:fld>
             <a:endParaRPr lang="de-DE"/>
           </a:p>
@@ -2737,7 +2737,7 @@
           <a:p>
             <a:fld id="{B70346D9-89FE-4A8C-817B-005928C55000}" type="datetimeFigureOut">
               <a:rPr lang="de-DE" smtClean="0"/>
-              <a:t>14.07.2022</a:t>
+              <a:t>24.08.2022</a:t>
             </a:fld>
             <a:endParaRPr lang="de-DE"/>
           </a:p>
@@ -3496,7 +3496,7 @@
             <a:pPr algn="ctr"/>
             <a:r>
               <a:rPr lang="de-DE" sz="800" dirty="0" smtClean="0"/>
-              <a:t>Bronze </a:t>
+              <a:t>Bronze  </a:t>
             </a:r>
             <a:r>
               <a:rPr lang="de-DE" sz="800" dirty="0" err="1" smtClean="0"/>
@@ -4358,7 +4358,6 @@
               <a:rPr lang="de-DE" sz="800" dirty="0" smtClean="0"/>
               <a:t>Clan</a:t>
             </a:r>
-            <a:endParaRPr lang="de-DE" sz="800" dirty="0" smtClean="0"/>
           </a:p>
           <a:p>
             <a:pPr algn="ctr"/>
@@ -5412,13 +5411,8 @@
             <a:pPr algn="ctr"/>
             <a:r>
               <a:rPr lang="de-DE" sz="800" dirty="0" smtClean="0"/>
-              <a:t>Urban </a:t>
-            </a:r>
-            <a:r>
-              <a:rPr lang="de-DE" sz="800" dirty="0" smtClean="0"/>
-              <a:t>Family</a:t>
-            </a:r>
-            <a:endParaRPr lang="de-DE" sz="800" dirty="0" smtClean="0"/>
+              <a:t>Urban Family</a:t>
+            </a:r>
           </a:p>
           <a:p>
             <a:pPr algn="ctr"/>
@@ -5864,11 +5858,7 @@
             <a:pPr algn="ctr"/>
             <a:r>
               <a:rPr lang="de-DE" sz="800" smtClean="0"/>
-              <a:t>Urban </a:t>
-            </a:r>
-            <a:r>
-              <a:rPr lang="de-DE" sz="800" smtClean="0"/>
-              <a:t>Leader</a:t>
+              <a:t>Urban Leader</a:t>
             </a:r>
             <a:endParaRPr lang="de-DE" sz="800" dirty="0" smtClean="0"/>
           </a:p>
